--- a/ConsoleApplication5/20170118_POA.pptx
+++ b/ConsoleApplication5/20170118_POA.pptx
@@ -10,6 +10,7 @@
     <p:sldId id="258" r:id="rId4"/>
     <p:sldId id="259" r:id="rId5"/>
     <p:sldId id="260" r:id="rId6"/>
+    <p:sldId id="261" r:id="rId7"/>
   </p:sldIdLst>
   <p:sldSz cx="9144000" cy="6858000" type="screen4x3"/>
   <p:notesSz cx="6858000" cy="9144000"/>
@@ -3203,21 +3204,46 @@
           <a:bodyPr/>
           <a:lstStyle/>
           <a:p>
+            <a:pPr marL="514350" indent="-514350">
+              <a:buFont typeface="+mj-lt"/>
+              <a:buAutoNum type="arabicPeriod"/>
+            </a:pPr>
             <a:r>
               <a:rPr lang="en-ZA" dirty="0" smtClean="0"/>
               <a:t>Find components</a:t>
             </a:r>
           </a:p>
           <a:p>
-            <a:r>
-              <a:rPr lang="en-ZA" dirty="0" smtClean="0"/>
-              <a:t>Is found components ripples?</a:t>
-            </a:r>
-          </a:p>
-          <a:p>
-            <a:r>
-              <a:rPr lang="en-ZA" dirty="0" smtClean="0"/>
-              <a:t>What is the orientation of found ripples?</a:t>
+            <a:pPr marL="514350" indent="-514350">
+              <a:buFont typeface="+mj-lt"/>
+              <a:buAutoNum type="arabicPeriod"/>
+            </a:pPr>
+            <a:r>
+              <a:rPr lang="en-ZA" dirty="0" smtClean="0"/>
+              <a:t>Is found components ripples</a:t>
+            </a:r>
+            <a:r>
+              <a:rPr lang="en-ZA" dirty="0" smtClean="0"/>
+              <a:t>? [profiling]</a:t>
+            </a:r>
+            <a:endParaRPr lang="en-ZA" dirty="0" smtClean="0"/>
+          </a:p>
+          <a:p>
+            <a:pPr marL="514350" indent="-514350">
+              <a:buFont typeface="+mj-lt"/>
+              <a:buAutoNum type="arabicPeriod"/>
+            </a:pPr>
+            <a:r>
+              <a:rPr lang="en-ZA" dirty="0" smtClean="0"/>
+              <a:t>What is the orientation of found </a:t>
+            </a:r>
+            <a:r>
+              <a:rPr lang="en-ZA" dirty="0" smtClean="0"/>
+              <a:t>components? </a:t>
+            </a:r>
+            <a:r>
+              <a:rPr lang="en-ZA" dirty="0" smtClean="0"/>
+              <a:t>A cluster of ripples has roughly the same angle [histogram analysis]</a:t>
             </a:r>
             <a:endParaRPr lang="en-ZA" dirty="0"/>
           </a:p>
@@ -3270,7 +3296,11 @@
           <a:p>
             <a:r>
               <a:rPr lang="en-ZA" dirty="0" smtClean="0"/>
-              <a:t>Find components</a:t>
+              <a:t>(1) Find </a:t>
+            </a:r>
+            <a:r>
+              <a:rPr lang="en-ZA" dirty="0" smtClean="0"/>
+              <a:t>components</a:t>
             </a:r>
             <a:endParaRPr lang="en-ZA" dirty="0"/>
           </a:p>
@@ -3374,7 +3404,11 @@
           <a:p>
             <a:r>
               <a:rPr lang="en-ZA" dirty="0" smtClean="0"/>
-              <a:t>Is found components ripples?</a:t>
+              <a:t>(2) Is </a:t>
+            </a:r>
+            <a:r>
+              <a:rPr lang="en-ZA" dirty="0" smtClean="0"/>
+              <a:t>found components ripples?</a:t>
             </a:r>
             <a:br>
               <a:rPr lang="en-ZA" dirty="0" smtClean="0"/>
@@ -3396,7 +3430,7 @@
         <p:spPr/>
         <p:txBody>
           <a:bodyPr>
-            <a:normAutofit lnSpcReduction="10000"/>
+            <a:normAutofit fontScale="92500" lnSpcReduction="10000"/>
           </a:bodyPr>
           <a:lstStyle/>
           <a:p>
@@ -3430,8 +3464,27 @@
             <a:pPr lvl="2"/>
             <a:r>
               <a:rPr lang="en-ZA" dirty="0" smtClean="0"/>
-              <a:t>Plot profiles and compare them</a:t>
-            </a:r>
+              <a:t>Plot profiles and compare </a:t>
+            </a:r>
+            <a:r>
+              <a:rPr lang="en-ZA" dirty="0" smtClean="0"/>
+              <a:t>them</a:t>
+            </a:r>
+          </a:p>
+          <a:p>
+            <a:pPr lvl="3"/>
+            <a:r>
+              <a:rPr lang="en-ZA" dirty="0" smtClean="0"/>
+              <a:t>Will see the shape of component</a:t>
+            </a:r>
+          </a:p>
+          <a:p>
+            <a:pPr lvl="4"/>
+            <a:r>
+              <a:rPr lang="en-ZA" dirty="0" smtClean="0"/>
+              <a:t>Tapers down at the ends with bulge in middle</a:t>
+            </a:r>
+            <a:endParaRPr lang="en-ZA" dirty="0" smtClean="0"/>
           </a:p>
           <a:p>
             <a:pPr lvl="2"/>
@@ -3513,7 +3566,15 @@
           <a:p>
             <a:r>
               <a:rPr lang="en-ZA" dirty="0" smtClean="0"/>
-              <a:t>What is the orientation of found ripples?</a:t>
+              <a:t>(3) What </a:t>
+            </a:r>
+            <a:r>
+              <a:rPr lang="en-ZA" dirty="0" smtClean="0"/>
+              <a:t>is the orientation of found </a:t>
+            </a:r>
+            <a:r>
+              <a:rPr lang="en-ZA" dirty="0" smtClean="0"/>
+              <a:t>components?</a:t>
             </a:r>
             <a:endParaRPr lang="en-ZA" dirty="0"/>
           </a:p>
@@ -3538,7 +3599,15 @@
           <a:p>
             <a:r>
               <a:rPr lang="en-ZA" dirty="0" smtClean="0"/>
-              <a:t>Once ripple is found:</a:t>
+              <a:t>Once </a:t>
+            </a:r>
+            <a:r>
+              <a:rPr lang="en-ZA" dirty="0" smtClean="0"/>
+              <a:t>component is </a:t>
+            </a:r>
+            <a:r>
+              <a:rPr lang="en-ZA" dirty="0" smtClean="0"/>
+              <a:t>found:</a:t>
             </a:r>
           </a:p>
           <a:p>
@@ -3579,9 +3648,16 @@
             </a:pPr>
             <a:r>
               <a:rPr lang="en-ZA" dirty="0" smtClean="0"/>
-              <a:t>Find centre of bin – this is dominant angle – angle of bin – angel of all the pixels inside bin</a:t>
-            </a:r>
-            <a:endParaRPr lang="en-ZA" dirty="0" smtClean="0"/>
+              <a:t>Find centre of bin – this is dominant angle – angle of bin – </a:t>
+            </a:r>
+            <a:r>
+              <a:rPr lang="en-ZA" dirty="0" smtClean="0"/>
+              <a:t>angle </a:t>
+            </a:r>
+            <a:r>
+              <a:rPr lang="en-ZA" dirty="0" smtClean="0"/>
+              <a:t>of all the pixels inside bin</a:t>
+            </a:r>
           </a:p>
           <a:p>
             <a:pPr marL="1371600" lvl="2" indent="-457200">
@@ -3600,7 +3676,15 @@
             </a:pPr>
             <a:r>
               <a:rPr lang="en-ZA" dirty="0" smtClean="0"/>
-              <a:t>Does plotted coloured pixels give ripple’s entire edge?</a:t>
+              <a:t>Does plotted coloured pixels give </a:t>
+            </a:r>
+            <a:r>
+              <a:rPr lang="en-ZA" dirty="0" smtClean="0"/>
+              <a:t>components entire </a:t>
+            </a:r>
+            <a:r>
+              <a:rPr lang="en-ZA" dirty="0" smtClean="0"/>
+              <a:t>edge?</a:t>
             </a:r>
           </a:p>
           <a:p>
@@ -3620,7 +3704,15 @@
             </a:pPr>
             <a:r>
               <a:rPr lang="en-ZA" dirty="0" smtClean="0"/>
-              <a:t>If yes, this bin’s orientation is  discovered dominant angle</a:t>
+              <a:t>If yes, this bin’s orientation is  </a:t>
+            </a:r>
+            <a:r>
+              <a:rPr lang="en-ZA" dirty="0" smtClean="0"/>
+              <a:t>the discovered </a:t>
+            </a:r>
+            <a:r>
+              <a:rPr lang="en-ZA" dirty="0" smtClean="0"/>
+              <a:t>dominant angle</a:t>
             </a:r>
           </a:p>
           <a:p>
@@ -3643,6 +3735,139 @@
     <p:extLst>
       <p:ext uri="{BB962C8B-B14F-4D97-AF65-F5344CB8AC3E}">
         <p14:creationId xmlns:p14="http://schemas.microsoft.com/office/powerpoint/2010/main" val="4291895190"/>
+      </p:ext>
+    </p:extLst>
+  </p:cSld>
+  <p:clrMapOvr>
+    <a:masterClrMapping/>
+  </p:clrMapOvr>
+</p:sld>
+</file>
+
+<file path=ppt/slides/slide6.xml><?xml version="1.0" encoding="utf-8"?>
+<p:sld xmlns:a="http://schemas.openxmlformats.org/drawingml/2006/main" xmlns:r="http://schemas.openxmlformats.org/officeDocument/2006/relationships" xmlns:p="http://schemas.openxmlformats.org/presentationml/2006/main">
+  <p:cSld>
+    <p:spTree>
+      <p:nvGrpSpPr>
+        <p:cNvPr id="1" name=""/>
+        <p:cNvGrpSpPr/>
+        <p:nvPr/>
+      </p:nvGrpSpPr>
+      <p:grpSpPr>
+        <a:xfrm>
+          <a:off x="0" y="0"/>
+          <a:ext cx="0" cy="0"/>
+          <a:chOff x="0" y="0"/>
+          <a:chExt cx="0" cy="0"/>
+        </a:xfrm>
+      </p:grpSpPr>
+      <p:sp>
+        <p:nvSpPr>
+          <p:cNvPr id="2" name="Title 1"/>
+          <p:cNvSpPr>
+            <a:spLocks noGrp="1"/>
+          </p:cNvSpPr>
+          <p:nvPr>
+            <p:ph type="title"/>
+          </p:nvPr>
+        </p:nvSpPr>
+        <p:spPr/>
+        <p:txBody>
+          <a:bodyPr/>
+          <a:lstStyle/>
+          <a:p>
+            <a:endParaRPr lang="en-ZA"/>
+          </a:p>
+        </p:txBody>
+      </p:sp>
+      <p:sp>
+        <p:nvSpPr>
+          <p:cNvPr id="3" name="Content Placeholder 2"/>
+          <p:cNvSpPr>
+            <a:spLocks noGrp="1"/>
+          </p:cNvSpPr>
+          <p:nvPr>
+            <p:ph idx="1"/>
+          </p:nvPr>
+        </p:nvSpPr>
+        <p:spPr/>
+        <p:txBody>
+          <a:bodyPr>
+            <a:normAutofit lnSpcReduction="10000"/>
+          </a:bodyPr>
+          <a:lstStyle/>
+          <a:p>
+            <a:r>
+              <a:rPr lang="en-ZA" dirty="0" smtClean="0"/>
+              <a:t>For (each component)</a:t>
+            </a:r>
+          </a:p>
+          <a:p>
+            <a:pPr lvl="1"/>
+            <a:r>
+              <a:rPr lang="en-ZA" dirty="0" smtClean="0"/>
+              <a:t>Profile component</a:t>
+            </a:r>
+          </a:p>
+          <a:p>
+            <a:pPr lvl="2"/>
+            <a:r>
+              <a:rPr lang="en-ZA" dirty="0" smtClean="0"/>
+              <a:t>Generate profiles of component</a:t>
+            </a:r>
+          </a:p>
+          <a:p>
+            <a:pPr lvl="2"/>
+            <a:r>
+              <a:rPr lang="en-ZA" dirty="0" smtClean="0"/>
+              <a:t>Does component have ripple shape?</a:t>
+            </a:r>
+          </a:p>
+          <a:p>
+            <a:pPr lvl="3"/>
+            <a:r>
+              <a:rPr lang="en-ZA" dirty="0" smtClean="0"/>
+              <a:t>Starting from one end of component, does number of component pixels increase as you move closer to centre of component, &amp; then starts tapering </a:t>
+            </a:r>
+            <a:r>
+              <a:rPr lang="en-ZA" smtClean="0"/>
+              <a:t>down again?</a:t>
+            </a:r>
+            <a:endParaRPr lang="en-ZA" dirty="0" smtClean="0"/>
+          </a:p>
+          <a:p>
+            <a:pPr lvl="1"/>
+            <a:r>
+              <a:rPr lang="en-ZA" dirty="0" smtClean="0"/>
+              <a:t>Histogram analyse component</a:t>
+            </a:r>
+          </a:p>
+          <a:p>
+            <a:pPr lvl="2"/>
+            <a:r>
+              <a:rPr lang="en-ZA" dirty="0" smtClean="0"/>
+              <a:t>Find component angle</a:t>
+            </a:r>
+          </a:p>
+          <a:p>
+            <a:pPr lvl="2"/>
+            <a:r>
+              <a:rPr lang="en-ZA" dirty="0" smtClean="0"/>
+              <a:t>Does component have angle similar to other components?</a:t>
+            </a:r>
+          </a:p>
+          <a:p>
+            <a:endParaRPr lang="en-ZA" dirty="0" smtClean="0"/>
+          </a:p>
+          <a:p>
+            <a:endParaRPr lang="en-ZA" dirty="0"/>
+          </a:p>
+        </p:txBody>
+      </p:sp>
+    </p:spTree>
+    <p:extLst>
+      <p:ext uri="{BB962C8B-B14F-4D97-AF65-F5344CB8AC3E}">
+        <p14:creationId xmlns:p14="http://schemas.microsoft.com/office/powerpoint/2010/main" val="1027214350"/>
       </p:ext>
     </p:extLst>
   </p:cSld>

--- a/ConsoleApplication5/20170118_POA.pptx
+++ b/ConsoleApplication5/20170118_POA.pptx
@@ -6,11 +6,12 @@
   </p:sldMasterIdLst>
   <p:sldIdLst>
     <p:sldId id="256" r:id="rId2"/>
-    <p:sldId id="257" r:id="rId3"/>
-    <p:sldId id="258" r:id="rId4"/>
-    <p:sldId id="259" r:id="rId5"/>
-    <p:sldId id="260" r:id="rId6"/>
-    <p:sldId id="261" r:id="rId7"/>
+    <p:sldId id="262" r:id="rId3"/>
+    <p:sldId id="257" r:id="rId4"/>
+    <p:sldId id="258" r:id="rId5"/>
+    <p:sldId id="259" r:id="rId6"/>
+    <p:sldId id="260" r:id="rId7"/>
+    <p:sldId id="261" r:id="rId8"/>
   </p:sldIdLst>
   <p:sldSz cx="9144000" cy="6858000" type="screen4x3"/>
   <p:notesSz cx="6858000" cy="9144000"/>
@@ -293,7 +294,7 @@
           <a:p>
             <a:fld id="{F336AD1D-019F-4E13-8E2B-E0830EF1CB0D}" type="datetimeFigureOut">
               <a:rPr lang="en-ZA" smtClean="0"/>
-              <a:t>2017/01/18</a:t>
+              <a:t>2017/01/21</a:t>
             </a:fld>
             <a:endParaRPr lang="en-ZA"/>
           </a:p>
@@ -463,7 +464,7 @@
           <a:p>
             <a:fld id="{F336AD1D-019F-4E13-8E2B-E0830EF1CB0D}" type="datetimeFigureOut">
               <a:rPr lang="en-ZA" smtClean="0"/>
-              <a:t>2017/01/18</a:t>
+              <a:t>2017/01/21</a:t>
             </a:fld>
             <a:endParaRPr lang="en-ZA"/>
           </a:p>
@@ -643,7 +644,7 @@
           <a:p>
             <a:fld id="{F336AD1D-019F-4E13-8E2B-E0830EF1CB0D}" type="datetimeFigureOut">
               <a:rPr lang="en-ZA" smtClean="0"/>
-              <a:t>2017/01/18</a:t>
+              <a:t>2017/01/21</a:t>
             </a:fld>
             <a:endParaRPr lang="en-ZA"/>
           </a:p>
@@ -813,7 +814,7 @@
           <a:p>
             <a:fld id="{F336AD1D-019F-4E13-8E2B-E0830EF1CB0D}" type="datetimeFigureOut">
               <a:rPr lang="en-ZA" smtClean="0"/>
-              <a:t>2017/01/18</a:t>
+              <a:t>2017/01/21</a:t>
             </a:fld>
             <a:endParaRPr lang="en-ZA"/>
           </a:p>
@@ -1059,7 +1060,7 @@
           <a:p>
             <a:fld id="{F336AD1D-019F-4E13-8E2B-E0830EF1CB0D}" type="datetimeFigureOut">
               <a:rPr lang="en-ZA" smtClean="0"/>
-              <a:t>2017/01/18</a:t>
+              <a:t>2017/01/21</a:t>
             </a:fld>
             <a:endParaRPr lang="en-ZA"/>
           </a:p>
@@ -1347,7 +1348,7 @@
           <a:p>
             <a:fld id="{F336AD1D-019F-4E13-8E2B-E0830EF1CB0D}" type="datetimeFigureOut">
               <a:rPr lang="en-ZA" smtClean="0"/>
-              <a:t>2017/01/18</a:t>
+              <a:t>2017/01/21</a:t>
             </a:fld>
             <a:endParaRPr lang="en-ZA"/>
           </a:p>
@@ -1769,7 +1770,7 @@
           <a:p>
             <a:fld id="{F336AD1D-019F-4E13-8E2B-E0830EF1CB0D}" type="datetimeFigureOut">
               <a:rPr lang="en-ZA" smtClean="0"/>
-              <a:t>2017/01/18</a:t>
+              <a:t>2017/01/21</a:t>
             </a:fld>
             <a:endParaRPr lang="en-ZA"/>
           </a:p>
@@ -1887,7 +1888,7 @@
           <a:p>
             <a:fld id="{F336AD1D-019F-4E13-8E2B-E0830EF1CB0D}" type="datetimeFigureOut">
               <a:rPr lang="en-ZA" smtClean="0"/>
-              <a:t>2017/01/18</a:t>
+              <a:t>2017/01/21</a:t>
             </a:fld>
             <a:endParaRPr lang="en-ZA"/>
           </a:p>
@@ -1982,7 +1983,7 @@
           <a:p>
             <a:fld id="{F336AD1D-019F-4E13-8E2B-E0830EF1CB0D}" type="datetimeFigureOut">
               <a:rPr lang="en-ZA" smtClean="0"/>
-              <a:t>2017/01/18</a:t>
+              <a:t>2017/01/21</a:t>
             </a:fld>
             <a:endParaRPr lang="en-ZA"/>
           </a:p>
@@ -2259,7 +2260,7 @@
           <a:p>
             <a:fld id="{F336AD1D-019F-4E13-8E2B-E0830EF1CB0D}" type="datetimeFigureOut">
               <a:rPr lang="en-ZA" smtClean="0"/>
-              <a:t>2017/01/18</a:t>
+              <a:t>2017/01/21</a:t>
             </a:fld>
             <a:endParaRPr lang="en-ZA"/>
           </a:p>
@@ -2512,7 +2513,7 @@
           <a:p>
             <a:fld id="{F336AD1D-019F-4E13-8E2B-E0830EF1CB0D}" type="datetimeFigureOut">
               <a:rPr lang="en-ZA" smtClean="0"/>
-              <a:t>2017/01/18</a:t>
+              <a:t>2017/01/21</a:t>
             </a:fld>
             <a:endParaRPr lang="en-ZA"/>
           </a:p>
@@ -2725,7 +2726,7 @@
           <a:p>
             <a:fld id="{F336AD1D-019F-4E13-8E2B-E0830EF1CB0D}" type="datetimeFigureOut">
               <a:rPr lang="en-ZA" smtClean="0"/>
-              <a:t>2017/01/18</a:t>
+              <a:t>2017/01/21</a:t>
             </a:fld>
             <a:endParaRPr lang="en-ZA"/>
           </a:p>
@@ -3148,6 +3149,13 @@
   <p:clrMapOvr>
     <a:masterClrMapping/>
   </p:clrMapOvr>
+  <p:timing>
+    <p:tnLst>
+      <p:par>
+        <p:cTn id="1" dur="indefinite" restart="never" nodeType="tmRoot"/>
+      </p:par>
+    </p:tnLst>
+  </p:timing>
 </p:sld>
 </file>
 
@@ -3180,85 +3188,59 @@
         </p:nvSpPr>
         <p:spPr/>
         <p:txBody>
-          <a:bodyPr>
-            <a:normAutofit/>
-          </a:bodyPr>
-          <a:lstStyle/>
-          <a:p>
-            <a:endParaRPr lang="en-ZA" dirty="0"/>
-          </a:p>
-        </p:txBody>
-      </p:sp>
-      <p:sp>
-        <p:nvSpPr>
-          <p:cNvPr id="3" name="Content Placeholder 2"/>
-          <p:cNvSpPr>
-            <a:spLocks noGrp="1"/>
-          </p:cNvSpPr>
+          <a:bodyPr/>
+          <a:lstStyle/>
+          <a:p>
+            <a:endParaRPr lang="en-ZA"/>
+          </a:p>
+        </p:txBody>
+      </p:sp>
+      <p:pic>
+        <p:nvPicPr>
+          <p:cNvPr id="4" name="Content Placeholder 3"/>
+          <p:cNvPicPr>
+            <a:picLocks noGrp="1" noChangeAspect="1"/>
+          </p:cNvPicPr>
           <p:nvPr>
             <p:ph idx="1"/>
           </p:nvPr>
-        </p:nvSpPr>
-        <p:spPr/>
-        <p:txBody>
-          <a:bodyPr/>
-          <a:lstStyle/>
-          <a:p>
-            <a:pPr marL="514350" indent="-514350">
-              <a:buFont typeface="+mj-lt"/>
-              <a:buAutoNum type="arabicPeriod"/>
-            </a:pPr>
-            <a:r>
-              <a:rPr lang="en-ZA" dirty="0" smtClean="0"/>
-              <a:t>Find components</a:t>
-            </a:r>
-          </a:p>
-          <a:p>
-            <a:pPr marL="514350" indent="-514350">
-              <a:buFont typeface="+mj-lt"/>
-              <a:buAutoNum type="arabicPeriod"/>
-            </a:pPr>
-            <a:r>
-              <a:rPr lang="en-ZA" dirty="0" smtClean="0"/>
-              <a:t>Is found components ripples</a:t>
-            </a:r>
-            <a:r>
-              <a:rPr lang="en-ZA" dirty="0" smtClean="0"/>
-              <a:t>? [profiling]</a:t>
-            </a:r>
-            <a:endParaRPr lang="en-ZA" dirty="0" smtClean="0"/>
-          </a:p>
-          <a:p>
-            <a:pPr marL="514350" indent="-514350">
-              <a:buFont typeface="+mj-lt"/>
-              <a:buAutoNum type="arabicPeriod"/>
-            </a:pPr>
-            <a:r>
-              <a:rPr lang="en-ZA" dirty="0" smtClean="0"/>
-              <a:t>What is the orientation of found </a:t>
-            </a:r>
-            <a:r>
-              <a:rPr lang="en-ZA" dirty="0" smtClean="0"/>
-              <a:t>components? </a:t>
-            </a:r>
-            <a:r>
-              <a:rPr lang="en-ZA" dirty="0" smtClean="0"/>
-              <a:t>A cluster of ripples has roughly the same angle [histogram analysis]</a:t>
-            </a:r>
-            <a:endParaRPr lang="en-ZA" dirty="0"/>
-          </a:p>
-        </p:txBody>
-      </p:sp>
+        </p:nvPicPr>
+        <p:blipFill>
+          <a:blip r:embed="rId2" cstate="print">
+            <a:extLst>
+              <a:ext uri="{28A0092B-C50C-407E-A947-70E740481C1C}">
+                <a14:useLocalDpi xmlns:a14="http://schemas.microsoft.com/office/drawing/2010/main" val="0"/>
+              </a:ext>
+            </a:extLst>
+          </a:blip>
+          <a:stretch>
+            <a:fillRect/>
+          </a:stretch>
+        </p:blipFill>
+        <p:spPr>
+          <a:xfrm>
+            <a:off x="-13855" y="-20782"/>
+            <a:ext cx="9171709" cy="6878782"/>
+          </a:xfrm>
+        </p:spPr>
+      </p:pic>
     </p:spTree>
     <p:extLst>
       <p:ext uri="{BB962C8B-B14F-4D97-AF65-F5344CB8AC3E}">
-        <p14:creationId xmlns:p14="http://schemas.microsoft.com/office/powerpoint/2010/main" val="2218862039"/>
+        <p14:creationId xmlns:p14="http://schemas.microsoft.com/office/powerpoint/2010/main" val="969448167"/>
       </p:ext>
     </p:extLst>
   </p:cSld>
   <p:clrMapOvr>
     <a:masterClrMapping/>
   </p:clrMapOvr>
+  <p:timing>
+    <p:tnLst>
+      <p:par>
+        <p:cTn id="1" dur="indefinite" restart="never" nodeType="tmRoot"/>
+      </p:par>
+    </p:tnLst>
+  </p:timing>
 </p:sld>
 </file>
 
@@ -3291,65 +3273,57 @@
         </p:nvSpPr>
         <p:spPr/>
         <p:txBody>
-          <a:bodyPr/>
-          <a:lstStyle/>
-          <a:p>
+          <a:bodyPr>
+            <a:normAutofit/>
+          </a:bodyPr>
+          <a:lstStyle/>
+          <a:p>
+            <a:endParaRPr lang="en-ZA" dirty="0"/>
+          </a:p>
+        </p:txBody>
+      </p:sp>
+      <p:sp>
+        <p:nvSpPr>
+          <p:cNvPr id="3" name="Content Placeholder 2"/>
+          <p:cNvSpPr>
+            <a:spLocks noGrp="1"/>
+          </p:cNvSpPr>
+          <p:nvPr>
+            <p:ph idx="1"/>
+          </p:nvPr>
+        </p:nvSpPr>
+        <p:spPr/>
+        <p:txBody>
+          <a:bodyPr/>
+          <a:lstStyle/>
+          <a:p>
+            <a:pPr marL="514350" indent="-514350">
+              <a:buFont typeface="+mj-lt"/>
+              <a:buAutoNum type="arabicPeriod"/>
+            </a:pPr>
             <a:r>
               <a:rPr lang="en-ZA" dirty="0" smtClean="0"/>
-              <a:t>(1) Find </a:t>
-            </a:r>
+              <a:t>Find components</a:t>
+            </a:r>
+          </a:p>
+          <a:p>
+            <a:pPr marL="514350" indent="-514350">
+              <a:buFont typeface="+mj-lt"/>
+              <a:buAutoNum type="arabicPeriod"/>
+            </a:pPr>
             <a:r>
               <a:rPr lang="en-ZA" dirty="0" smtClean="0"/>
-              <a:t>components</a:t>
-            </a:r>
-            <a:endParaRPr lang="en-ZA" dirty="0"/>
-          </a:p>
-        </p:txBody>
-      </p:sp>
-      <p:sp>
-        <p:nvSpPr>
-          <p:cNvPr id="3" name="Content Placeholder 2"/>
-          <p:cNvSpPr>
-            <a:spLocks noGrp="1"/>
-          </p:cNvSpPr>
-          <p:nvPr>
-            <p:ph idx="1"/>
-          </p:nvPr>
-        </p:nvSpPr>
-        <p:spPr/>
-        <p:txBody>
-          <a:bodyPr/>
-          <a:lstStyle/>
-          <a:p>
+              <a:t>Is found components ripples? [profiling]</a:t>
+            </a:r>
+          </a:p>
+          <a:p>
+            <a:pPr marL="514350" indent="-514350">
+              <a:buFont typeface="+mj-lt"/>
+              <a:buAutoNum type="arabicPeriod"/>
+            </a:pPr>
             <a:r>
               <a:rPr lang="en-ZA" dirty="0" smtClean="0"/>
-              <a:t>OPENCV </a:t>
-            </a:r>
-            <a:r>
-              <a:rPr lang="en-ZA" dirty="0" err="1" smtClean="0"/>
-              <a:t>connectedComponents</a:t>
-            </a:r>
-            <a:endParaRPr lang="en-ZA" dirty="0" smtClean="0"/>
-          </a:p>
-          <a:p>
-            <a:pPr lvl="1"/>
-            <a:r>
-              <a:rPr lang="en-ZA" dirty="0" smtClean="0"/>
-              <a:t>Find all components (of shadows)</a:t>
-            </a:r>
-          </a:p>
-          <a:p>
-            <a:pPr lvl="1"/>
-            <a:r>
-              <a:rPr lang="en-ZA" dirty="0" smtClean="0"/>
-              <a:t>Each component</a:t>
-            </a:r>
-          </a:p>
-          <a:p>
-            <a:pPr lvl="2"/>
-            <a:r>
-              <a:rPr lang="en-ZA" dirty="0" smtClean="0"/>
-              <a:t>drawings</a:t>
+              <a:t>What is the orientation of found components? A cluster of ripples has roughly the same angle [histogram analysis]</a:t>
             </a:r>
             <a:endParaRPr lang="en-ZA" dirty="0"/>
           </a:p>
@@ -3358,13 +3332,20 @@
     </p:spTree>
     <p:extLst>
       <p:ext uri="{BB962C8B-B14F-4D97-AF65-F5344CB8AC3E}">
-        <p14:creationId xmlns:p14="http://schemas.microsoft.com/office/powerpoint/2010/main" val="285883193"/>
+        <p14:creationId xmlns:p14="http://schemas.microsoft.com/office/powerpoint/2010/main" val="2218862039"/>
       </p:ext>
     </p:extLst>
   </p:cSld>
   <p:clrMapOvr>
     <a:masterClrMapping/>
   </p:clrMapOvr>
+  <p:timing>
+    <p:tnLst>
+      <p:par>
+        <p:cTn id="1" dur="indefinite" restart="never" nodeType="tmRoot"/>
+      </p:par>
+    </p:tnLst>
+  </p:timing>
 </p:sld>
 </file>
 
@@ -3397,121 +3378,65 @@
         </p:nvSpPr>
         <p:spPr/>
         <p:txBody>
-          <a:bodyPr>
-            <a:normAutofit fontScale="90000"/>
-          </a:bodyPr>
+          <a:bodyPr/>
           <a:lstStyle/>
           <a:p>
             <a:r>
               <a:rPr lang="en-ZA" dirty="0" smtClean="0"/>
-              <a:t>(2) Is </a:t>
-            </a:r>
+              <a:t>(1) Find components</a:t>
+            </a:r>
+            <a:endParaRPr lang="en-ZA" dirty="0"/>
+          </a:p>
+        </p:txBody>
+      </p:sp>
+      <p:sp>
+        <p:nvSpPr>
+          <p:cNvPr id="3" name="Content Placeholder 2"/>
+          <p:cNvSpPr>
+            <a:spLocks noGrp="1"/>
+          </p:cNvSpPr>
+          <p:nvPr>
+            <p:ph idx="1"/>
+          </p:nvPr>
+        </p:nvSpPr>
+        <p:spPr/>
+        <p:txBody>
+          <a:bodyPr/>
+          <a:lstStyle/>
+          <a:p>
             <a:r>
               <a:rPr lang="en-ZA" dirty="0" smtClean="0"/>
-              <a:t>found components ripples?</a:t>
-            </a:r>
-            <a:br>
+              <a:t>OPENCV </a:t>
+            </a:r>
+            <a:r>
+              <a:rPr lang="en-ZA" dirty="0" err="1" smtClean="0"/>
+              <a:t>connectedComponents</a:t>
+            </a:r>
+            <a:endParaRPr lang="en-ZA" dirty="0" smtClean="0"/>
+          </a:p>
+          <a:p>
+            <a:pPr lvl="1"/>
+            <a:r>
               <a:rPr lang="en-ZA" dirty="0" smtClean="0"/>
-            </a:br>
-            <a:endParaRPr lang="en-ZA" dirty="0"/>
-          </a:p>
-        </p:txBody>
-      </p:sp>
-      <p:sp>
-        <p:nvSpPr>
-          <p:cNvPr id="3" name="Content Placeholder 2"/>
-          <p:cNvSpPr>
-            <a:spLocks noGrp="1"/>
-          </p:cNvSpPr>
-          <p:nvPr>
-            <p:ph idx="1"/>
-          </p:nvPr>
-        </p:nvSpPr>
-        <p:spPr/>
-        <p:txBody>
-          <a:bodyPr>
-            <a:normAutofit fontScale="92500" lnSpcReduction="10000"/>
-          </a:bodyPr>
-          <a:lstStyle/>
-          <a:p>
+              <a:t>Find all components (of shadows)</a:t>
+            </a:r>
+          </a:p>
+          <a:p>
+            <a:pPr lvl="1"/>
             <a:r>
               <a:rPr lang="en-ZA" dirty="0" smtClean="0"/>
-              <a:t>Get profiles of each component</a:t>
-            </a:r>
-          </a:p>
-          <a:p>
-            <a:pPr lvl="1"/>
+              <a:t>Each component</a:t>
+            </a:r>
+          </a:p>
+          <a:p>
+            <a:pPr lvl="2"/>
             <a:r>
               <a:rPr lang="en-ZA" dirty="0" smtClean="0"/>
-              <a:t>Draw lines (profile lines)</a:t>
-            </a:r>
-          </a:p>
-          <a:p>
-            <a:pPr lvl="1"/>
-            <a:r>
-              <a:rPr lang="en-ZA" dirty="0" smtClean="0"/>
-              <a:t>Get component pixels under profile lines</a:t>
-            </a:r>
-          </a:p>
-          <a:p>
-            <a:pPr lvl="1"/>
-            <a:r>
-              <a:rPr lang="en-ZA" dirty="0" smtClean="0"/>
-              <a:t>Rules to inspect profiles:</a:t>
-            </a:r>
-          </a:p>
-          <a:p>
-            <a:pPr lvl="2"/>
-            <a:r>
-              <a:rPr lang="en-ZA" dirty="0" smtClean="0"/>
-              <a:t>Plot profiles and compare </a:t>
-            </a:r>
-            <a:r>
-              <a:rPr lang="en-ZA" dirty="0" smtClean="0"/>
-              <a:t>them</a:t>
-            </a:r>
-          </a:p>
-          <a:p>
-            <a:pPr lvl="3"/>
-            <a:r>
-              <a:rPr lang="en-ZA" dirty="0" smtClean="0"/>
-              <a:t>Will see the shape of component</a:t>
-            </a:r>
-          </a:p>
-          <a:p>
-            <a:pPr lvl="4"/>
-            <a:r>
-              <a:rPr lang="en-ZA" dirty="0" smtClean="0"/>
-              <a:t>Tapers down at the ends with bulge in middle</a:t>
-            </a:r>
-            <a:endParaRPr lang="en-ZA" dirty="0" smtClean="0"/>
-          </a:p>
-          <a:p>
-            <a:pPr lvl="2"/>
-            <a:r>
-              <a:rPr lang="en-ZA" dirty="0" smtClean="0"/>
-              <a:t>find average profile</a:t>
-            </a:r>
-          </a:p>
-          <a:p>
-            <a:pPr lvl="3"/>
-            <a:r>
-              <a:rPr lang="en-ZA" dirty="0" smtClean="0"/>
-              <a:t>will suppress noise &amp;</a:t>
-            </a:r>
-          </a:p>
-          <a:p>
-            <a:pPr lvl="3"/>
-            <a:r>
-              <a:rPr lang="en-ZA" dirty="0" smtClean="0"/>
-              <a:t>emphasize bulge</a:t>
-            </a:r>
-          </a:p>
-          <a:p>
-            <a:pPr lvl="1"/>
-            <a:r>
-              <a:rPr lang="en-ZA" dirty="0" smtClean="0"/>
-              <a:t>Rules must help reject or accept component as ripple</a:t>
+              <a:t>Known as drawings/masks </a:t>
+            </a:r>
+            <a:r>
+              <a:rPr lang="en-ZA" smtClean="0"/>
+              <a:t>in source code</a:t>
             </a:r>
             <a:endParaRPr lang="en-ZA" dirty="0"/>
           </a:p>
@@ -3520,13 +3445,20 @@
     </p:spTree>
     <p:extLst>
       <p:ext uri="{BB962C8B-B14F-4D97-AF65-F5344CB8AC3E}">
-        <p14:creationId xmlns:p14="http://schemas.microsoft.com/office/powerpoint/2010/main" val="534296273"/>
+        <p14:creationId xmlns:p14="http://schemas.microsoft.com/office/powerpoint/2010/main" val="285883193"/>
       </p:ext>
     </p:extLst>
   </p:cSld>
   <p:clrMapOvr>
     <a:masterClrMapping/>
   </p:clrMapOvr>
+  <p:timing>
+    <p:tnLst>
+      <p:par>
+        <p:cTn id="1" dur="indefinite" restart="never" nodeType="tmRoot"/>
+      </p:par>
+    </p:tnLst>
+  </p:timing>
 </p:sld>
 </file>
 
@@ -3566,15 +3498,160 @@
           <a:p>
             <a:r>
               <a:rPr lang="en-ZA" dirty="0" smtClean="0"/>
-              <a:t>(3) What </a:t>
-            </a:r>
-            <a:r>
+              <a:t>(2) Is found components ripples?</a:t>
+            </a:r>
+            <a:br>
               <a:rPr lang="en-ZA" dirty="0" smtClean="0"/>
-              <a:t>is the orientation of found </a:t>
-            </a:r>
+            </a:br>
+            <a:endParaRPr lang="en-ZA" dirty="0"/>
+          </a:p>
+        </p:txBody>
+      </p:sp>
+      <p:sp>
+        <p:nvSpPr>
+          <p:cNvPr id="3" name="Content Placeholder 2"/>
+          <p:cNvSpPr>
+            <a:spLocks noGrp="1"/>
+          </p:cNvSpPr>
+          <p:nvPr>
+            <p:ph idx="1"/>
+          </p:nvPr>
+        </p:nvSpPr>
+        <p:spPr/>
+        <p:txBody>
+          <a:bodyPr>
+            <a:normAutofit fontScale="92500" lnSpcReduction="10000"/>
+          </a:bodyPr>
+          <a:lstStyle/>
+          <a:p>
             <a:r>
               <a:rPr lang="en-ZA" dirty="0" smtClean="0"/>
-              <a:t>components?</a:t>
+              <a:t>Get profiles of each component</a:t>
+            </a:r>
+          </a:p>
+          <a:p>
+            <a:pPr lvl="1"/>
+            <a:r>
+              <a:rPr lang="en-ZA" dirty="0" smtClean="0"/>
+              <a:t>Draw lines (profile lines)</a:t>
+            </a:r>
+          </a:p>
+          <a:p>
+            <a:pPr lvl="1"/>
+            <a:r>
+              <a:rPr lang="en-ZA" dirty="0" smtClean="0"/>
+              <a:t>Get component pixels under profile lines</a:t>
+            </a:r>
+          </a:p>
+          <a:p>
+            <a:pPr lvl="1"/>
+            <a:r>
+              <a:rPr lang="en-ZA" dirty="0" smtClean="0"/>
+              <a:t>Rules to inspect profiles:</a:t>
+            </a:r>
+          </a:p>
+          <a:p>
+            <a:pPr lvl="2"/>
+            <a:r>
+              <a:rPr lang="en-ZA" dirty="0" smtClean="0"/>
+              <a:t>Plot profiles and compare them</a:t>
+            </a:r>
+          </a:p>
+          <a:p>
+            <a:pPr lvl="3"/>
+            <a:r>
+              <a:rPr lang="en-ZA" dirty="0" smtClean="0"/>
+              <a:t>Will see the shape of component</a:t>
+            </a:r>
+          </a:p>
+          <a:p>
+            <a:pPr lvl="4"/>
+            <a:r>
+              <a:rPr lang="en-ZA" dirty="0" smtClean="0"/>
+              <a:t>Tapers down at the ends with bulge in middle</a:t>
+            </a:r>
+          </a:p>
+          <a:p>
+            <a:pPr lvl="2"/>
+            <a:r>
+              <a:rPr lang="en-ZA" dirty="0" smtClean="0"/>
+              <a:t>find average profile</a:t>
+            </a:r>
+          </a:p>
+          <a:p>
+            <a:pPr lvl="3"/>
+            <a:r>
+              <a:rPr lang="en-ZA" dirty="0" smtClean="0"/>
+              <a:t>will suppress noise &amp;</a:t>
+            </a:r>
+          </a:p>
+          <a:p>
+            <a:pPr lvl="3"/>
+            <a:r>
+              <a:rPr lang="en-ZA" dirty="0" smtClean="0"/>
+              <a:t>emphasize bulge</a:t>
+            </a:r>
+          </a:p>
+          <a:p>
+            <a:pPr lvl="1"/>
+            <a:r>
+              <a:rPr lang="en-ZA" dirty="0" smtClean="0"/>
+              <a:t>Rules must help reject or accept component as ripple</a:t>
+            </a:r>
+            <a:endParaRPr lang="en-ZA" dirty="0"/>
+          </a:p>
+        </p:txBody>
+      </p:sp>
+    </p:spTree>
+    <p:extLst>
+      <p:ext uri="{BB962C8B-B14F-4D97-AF65-F5344CB8AC3E}">
+        <p14:creationId xmlns:p14="http://schemas.microsoft.com/office/powerpoint/2010/main" val="534296273"/>
+      </p:ext>
+    </p:extLst>
+  </p:cSld>
+  <p:clrMapOvr>
+    <a:masterClrMapping/>
+  </p:clrMapOvr>
+</p:sld>
+</file>
+
+<file path=ppt/slides/slide6.xml><?xml version="1.0" encoding="utf-8"?>
+<p:sld xmlns:a="http://schemas.openxmlformats.org/drawingml/2006/main" xmlns:r="http://schemas.openxmlformats.org/officeDocument/2006/relationships" xmlns:p="http://schemas.openxmlformats.org/presentationml/2006/main">
+  <p:cSld>
+    <p:spTree>
+      <p:nvGrpSpPr>
+        <p:cNvPr id="1" name=""/>
+        <p:cNvGrpSpPr/>
+        <p:nvPr/>
+      </p:nvGrpSpPr>
+      <p:grpSpPr>
+        <a:xfrm>
+          <a:off x="0" y="0"/>
+          <a:ext cx="0" cy="0"/>
+          <a:chOff x="0" y="0"/>
+          <a:chExt cx="0" cy="0"/>
+        </a:xfrm>
+      </p:grpSpPr>
+      <p:sp>
+        <p:nvSpPr>
+          <p:cNvPr id="2" name="Title 1"/>
+          <p:cNvSpPr>
+            <a:spLocks noGrp="1"/>
+          </p:cNvSpPr>
+          <p:nvPr>
+            <p:ph type="title"/>
+          </p:nvPr>
+        </p:nvSpPr>
+        <p:spPr/>
+        <p:txBody>
+          <a:bodyPr>
+            <a:normAutofit fontScale="90000"/>
+          </a:bodyPr>
+          <a:lstStyle/>
+          <a:p>
+            <a:r>
+              <a:rPr lang="en-ZA" dirty="0" smtClean="0"/>
+              <a:t>(3) What is the orientation of found components?</a:t>
             </a:r>
             <a:endParaRPr lang="en-ZA" dirty="0"/>
           </a:p>
@@ -3599,15 +3676,7 @@
           <a:p>
             <a:r>
               <a:rPr lang="en-ZA" dirty="0" smtClean="0"/>
-              <a:t>Once </a:t>
-            </a:r>
-            <a:r>
-              <a:rPr lang="en-ZA" dirty="0" smtClean="0"/>
-              <a:t>component is </a:t>
-            </a:r>
-            <a:r>
-              <a:rPr lang="en-ZA" dirty="0" smtClean="0"/>
-              <a:t>found:</a:t>
+              <a:t>Once component is found:</a:t>
             </a:r>
           </a:p>
           <a:p>
@@ -3648,15 +3717,7 @@
             </a:pPr>
             <a:r>
               <a:rPr lang="en-ZA" dirty="0" smtClean="0"/>
-              <a:t>Find centre of bin – this is dominant angle – angle of bin – </a:t>
-            </a:r>
-            <a:r>
-              <a:rPr lang="en-ZA" dirty="0" smtClean="0"/>
-              <a:t>angle </a:t>
-            </a:r>
-            <a:r>
-              <a:rPr lang="en-ZA" dirty="0" smtClean="0"/>
-              <a:t>of all the pixels inside bin</a:t>
+              <a:t>Find centre of bin – this is dominant angle – angle of bin – angle of all the pixels inside bin</a:t>
             </a:r>
           </a:p>
           <a:p>
@@ -3676,15 +3737,7 @@
             </a:pPr>
             <a:r>
               <a:rPr lang="en-ZA" dirty="0" smtClean="0"/>
-              <a:t>Does plotted coloured pixels give </a:t>
-            </a:r>
-            <a:r>
-              <a:rPr lang="en-ZA" dirty="0" smtClean="0"/>
-              <a:t>components entire </a:t>
-            </a:r>
-            <a:r>
-              <a:rPr lang="en-ZA" dirty="0" smtClean="0"/>
-              <a:t>edge?</a:t>
+              <a:t>Does plotted coloured pixels give components entire edge?</a:t>
             </a:r>
           </a:p>
           <a:p>
@@ -3704,15 +3757,7 @@
             </a:pPr>
             <a:r>
               <a:rPr lang="en-ZA" dirty="0" smtClean="0"/>
-              <a:t>If yes, this bin’s orientation is  </a:t>
-            </a:r>
-            <a:r>
-              <a:rPr lang="en-ZA" dirty="0" smtClean="0"/>
-              <a:t>the discovered </a:t>
-            </a:r>
-            <a:r>
-              <a:rPr lang="en-ZA" dirty="0" smtClean="0"/>
-              <a:t>dominant angle</a:t>
+              <a:t>If yes, this bin’s orientation is  the discovered dominant angle</a:t>
             </a:r>
           </a:p>
           <a:p>
@@ -3744,7 +3789,7 @@
 </p:sld>
 </file>
 
-<file path=ppt/slides/slide6.xml><?xml version="1.0" encoding="utf-8"?>
+<file path=ppt/slides/slide7.xml><?xml version="1.0" encoding="utf-8"?>
 <p:sld xmlns:a="http://schemas.openxmlformats.org/drawingml/2006/main" xmlns:r="http://schemas.openxmlformats.org/officeDocument/2006/relationships" xmlns:p="http://schemas.openxmlformats.org/presentationml/2006/main">
   <p:cSld>
     <p:spTree>

--- a/ConsoleApplication5/20170118_POA.pptx
+++ b/ConsoleApplication5/20170118_POA.pptx
@@ -12,6 +12,8 @@
     <p:sldId id="259" r:id="rId6"/>
     <p:sldId id="260" r:id="rId7"/>
     <p:sldId id="261" r:id="rId8"/>
+    <p:sldId id="263" r:id="rId9"/>
+    <p:sldId id="264" r:id="rId10"/>
   </p:sldIdLst>
   <p:sldSz cx="9144000" cy="6858000" type="screen4x3"/>
   <p:notesSz cx="6858000" cy="9144000"/>
@@ -294,7 +296,7 @@
           <a:p>
             <a:fld id="{F336AD1D-019F-4E13-8E2B-E0830EF1CB0D}" type="datetimeFigureOut">
               <a:rPr lang="en-ZA" smtClean="0"/>
-              <a:t>2017/01/21</a:t>
+              <a:t>2017/01/24</a:t>
             </a:fld>
             <a:endParaRPr lang="en-ZA"/>
           </a:p>
@@ -464,7 +466,7 @@
           <a:p>
             <a:fld id="{F336AD1D-019F-4E13-8E2B-E0830EF1CB0D}" type="datetimeFigureOut">
               <a:rPr lang="en-ZA" smtClean="0"/>
-              <a:t>2017/01/21</a:t>
+              <a:t>2017/01/24</a:t>
             </a:fld>
             <a:endParaRPr lang="en-ZA"/>
           </a:p>
@@ -644,7 +646,7 @@
           <a:p>
             <a:fld id="{F336AD1D-019F-4E13-8E2B-E0830EF1CB0D}" type="datetimeFigureOut">
               <a:rPr lang="en-ZA" smtClean="0"/>
-              <a:t>2017/01/21</a:t>
+              <a:t>2017/01/24</a:t>
             </a:fld>
             <a:endParaRPr lang="en-ZA"/>
           </a:p>
@@ -814,7 +816,7 @@
           <a:p>
             <a:fld id="{F336AD1D-019F-4E13-8E2B-E0830EF1CB0D}" type="datetimeFigureOut">
               <a:rPr lang="en-ZA" smtClean="0"/>
-              <a:t>2017/01/21</a:t>
+              <a:t>2017/01/24</a:t>
             </a:fld>
             <a:endParaRPr lang="en-ZA"/>
           </a:p>
@@ -1060,7 +1062,7 @@
           <a:p>
             <a:fld id="{F336AD1D-019F-4E13-8E2B-E0830EF1CB0D}" type="datetimeFigureOut">
               <a:rPr lang="en-ZA" smtClean="0"/>
-              <a:t>2017/01/21</a:t>
+              <a:t>2017/01/24</a:t>
             </a:fld>
             <a:endParaRPr lang="en-ZA"/>
           </a:p>
@@ -1348,7 +1350,7 @@
           <a:p>
             <a:fld id="{F336AD1D-019F-4E13-8E2B-E0830EF1CB0D}" type="datetimeFigureOut">
               <a:rPr lang="en-ZA" smtClean="0"/>
-              <a:t>2017/01/21</a:t>
+              <a:t>2017/01/24</a:t>
             </a:fld>
             <a:endParaRPr lang="en-ZA"/>
           </a:p>
@@ -1770,7 +1772,7 @@
           <a:p>
             <a:fld id="{F336AD1D-019F-4E13-8E2B-E0830EF1CB0D}" type="datetimeFigureOut">
               <a:rPr lang="en-ZA" smtClean="0"/>
-              <a:t>2017/01/21</a:t>
+              <a:t>2017/01/24</a:t>
             </a:fld>
             <a:endParaRPr lang="en-ZA"/>
           </a:p>
@@ -1888,7 +1890,7 @@
           <a:p>
             <a:fld id="{F336AD1D-019F-4E13-8E2B-E0830EF1CB0D}" type="datetimeFigureOut">
               <a:rPr lang="en-ZA" smtClean="0"/>
-              <a:t>2017/01/21</a:t>
+              <a:t>2017/01/24</a:t>
             </a:fld>
             <a:endParaRPr lang="en-ZA"/>
           </a:p>
@@ -1983,7 +1985,7 @@
           <a:p>
             <a:fld id="{F336AD1D-019F-4E13-8E2B-E0830EF1CB0D}" type="datetimeFigureOut">
               <a:rPr lang="en-ZA" smtClean="0"/>
-              <a:t>2017/01/21</a:t>
+              <a:t>2017/01/24</a:t>
             </a:fld>
             <a:endParaRPr lang="en-ZA"/>
           </a:p>
@@ -2260,7 +2262,7 @@
           <a:p>
             <a:fld id="{F336AD1D-019F-4E13-8E2B-E0830EF1CB0D}" type="datetimeFigureOut">
               <a:rPr lang="en-ZA" smtClean="0"/>
-              <a:t>2017/01/21</a:t>
+              <a:t>2017/01/24</a:t>
             </a:fld>
             <a:endParaRPr lang="en-ZA"/>
           </a:p>
@@ -2513,7 +2515,7 @@
           <a:p>
             <a:fld id="{F336AD1D-019F-4E13-8E2B-E0830EF1CB0D}" type="datetimeFigureOut">
               <a:rPr lang="en-ZA" smtClean="0"/>
-              <a:t>2017/01/21</a:t>
+              <a:t>2017/01/24</a:t>
             </a:fld>
             <a:endParaRPr lang="en-ZA"/>
           </a:p>
@@ -2726,7 +2728,7 @@
           <a:p>
             <a:fld id="{F336AD1D-019F-4E13-8E2B-E0830EF1CB0D}" type="datetimeFigureOut">
               <a:rPr lang="en-ZA" smtClean="0"/>
-              <a:t>2017/01/21</a:t>
+              <a:t>2017/01/24</a:t>
             </a:fld>
             <a:endParaRPr lang="en-ZA"/>
           </a:p>
@@ -3913,6 +3915,197 @@
     <p:extLst>
       <p:ext uri="{BB962C8B-B14F-4D97-AF65-F5344CB8AC3E}">
         <p14:creationId xmlns:p14="http://schemas.microsoft.com/office/powerpoint/2010/main" val="1027214350"/>
+      </p:ext>
+    </p:extLst>
+  </p:cSld>
+  <p:clrMapOvr>
+    <a:masterClrMapping/>
+  </p:clrMapOvr>
+</p:sld>
+</file>
+
+<file path=ppt/slides/slide8.xml><?xml version="1.0" encoding="utf-8"?>
+<p:sld xmlns:a="http://schemas.openxmlformats.org/drawingml/2006/main" xmlns:r="http://schemas.openxmlformats.org/officeDocument/2006/relationships" xmlns:p="http://schemas.openxmlformats.org/presentationml/2006/main">
+  <p:cSld>
+    <p:spTree>
+      <p:nvGrpSpPr>
+        <p:cNvPr id="1" name=""/>
+        <p:cNvGrpSpPr/>
+        <p:nvPr/>
+      </p:nvGrpSpPr>
+      <p:grpSpPr>
+        <a:xfrm>
+          <a:off x="0" y="0"/>
+          <a:ext cx="0" cy="0"/>
+          <a:chOff x="0" y="0"/>
+          <a:chExt cx="0" cy="0"/>
+        </a:xfrm>
+      </p:grpSpPr>
+      <p:sp>
+        <p:nvSpPr>
+          <p:cNvPr id="2" name="Title 1"/>
+          <p:cNvSpPr>
+            <a:spLocks noGrp="1"/>
+          </p:cNvSpPr>
+          <p:nvPr>
+            <p:ph type="title"/>
+          </p:nvPr>
+        </p:nvSpPr>
+        <p:spPr/>
+        <p:txBody>
+          <a:bodyPr/>
+          <a:lstStyle/>
+          <a:p>
+            <a:r>
+              <a:rPr lang="en-ZA" dirty="0" smtClean="0"/>
+              <a:t>Profiling</a:t>
+            </a:r>
+            <a:endParaRPr lang="en-ZA" dirty="0"/>
+          </a:p>
+        </p:txBody>
+      </p:sp>
+      <p:sp>
+        <p:nvSpPr>
+          <p:cNvPr id="3" name="Content Placeholder 2"/>
+          <p:cNvSpPr>
+            <a:spLocks noGrp="1"/>
+          </p:cNvSpPr>
+          <p:nvPr>
+            <p:ph idx="1"/>
+          </p:nvPr>
+        </p:nvSpPr>
+        <p:spPr/>
+        <p:txBody>
+          <a:bodyPr/>
+          <a:lstStyle/>
+          <a:p>
+            <a:r>
+              <a:rPr lang="en-ZA" dirty="0" smtClean="0"/>
+              <a:t>Profiling on grayscale image</a:t>
+            </a:r>
+          </a:p>
+          <a:p>
+            <a:r>
+              <a:rPr lang="en-ZA" dirty="0" smtClean="0"/>
+              <a:t>Profile found components</a:t>
+            </a:r>
+          </a:p>
+          <a:p>
+            <a:r>
+              <a:rPr lang="en-ZA" dirty="0" smtClean="0"/>
+              <a:t>Due to shape of ripple </a:t>
+            </a:r>
+            <a:r>
+              <a:rPr lang="en-ZA" dirty="0" err="1" smtClean="0"/>
+              <a:t>highlights+shadows</a:t>
+            </a:r>
+            <a:r>
+              <a:rPr lang="en-ZA" dirty="0" smtClean="0"/>
+              <a:t>, profile can tell if component is ripple</a:t>
+            </a:r>
+            <a:endParaRPr lang="en-ZA" dirty="0"/>
+          </a:p>
+        </p:txBody>
+      </p:sp>
+    </p:spTree>
+    <p:extLst>
+      <p:ext uri="{BB962C8B-B14F-4D97-AF65-F5344CB8AC3E}">
+        <p14:creationId xmlns:p14="http://schemas.microsoft.com/office/powerpoint/2010/main" val="1847232142"/>
+      </p:ext>
+    </p:extLst>
+  </p:cSld>
+  <p:clrMapOvr>
+    <a:masterClrMapping/>
+  </p:clrMapOvr>
+</p:sld>
+</file>
+
+<file path=ppt/slides/slide9.xml><?xml version="1.0" encoding="utf-8"?>
+<p:sld xmlns:a="http://schemas.openxmlformats.org/drawingml/2006/main" xmlns:r="http://schemas.openxmlformats.org/officeDocument/2006/relationships" xmlns:p="http://schemas.openxmlformats.org/presentationml/2006/main">
+  <p:cSld>
+    <p:spTree>
+      <p:nvGrpSpPr>
+        <p:cNvPr id="1" name=""/>
+        <p:cNvGrpSpPr/>
+        <p:nvPr/>
+      </p:nvGrpSpPr>
+      <p:grpSpPr>
+        <a:xfrm>
+          <a:off x="0" y="0"/>
+          <a:ext cx="0" cy="0"/>
+          <a:chOff x="0" y="0"/>
+          <a:chExt cx="0" cy="0"/>
+        </a:xfrm>
+      </p:grpSpPr>
+      <p:sp>
+        <p:nvSpPr>
+          <p:cNvPr id="2" name="Title 1"/>
+          <p:cNvSpPr>
+            <a:spLocks noGrp="1"/>
+          </p:cNvSpPr>
+          <p:nvPr>
+            <p:ph type="title"/>
+          </p:nvPr>
+        </p:nvSpPr>
+        <p:spPr/>
+        <p:txBody>
+          <a:bodyPr/>
+          <a:lstStyle/>
+          <a:p>
+            <a:r>
+              <a:rPr lang="en-ZA" dirty="0" smtClean="0"/>
+              <a:t>Angle Histogram Analysis (AHA)</a:t>
+            </a:r>
+            <a:endParaRPr lang="en-ZA" dirty="0"/>
+          </a:p>
+        </p:txBody>
+      </p:sp>
+      <p:sp>
+        <p:nvSpPr>
+          <p:cNvPr id="3" name="Content Placeholder 2"/>
+          <p:cNvSpPr>
+            <a:spLocks noGrp="1"/>
+          </p:cNvSpPr>
+          <p:nvPr>
+            <p:ph idx="1"/>
+          </p:nvPr>
+        </p:nvSpPr>
+        <p:spPr/>
+        <p:txBody>
+          <a:bodyPr/>
+          <a:lstStyle/>
+          <a:p>
+            <a:r>
+              <a:rPr lang="en-ZA" dirty="0" smtClean="0"/>
+              <a:t>Since ripples are clustered</a:t>
+            </a:r>
+          </a:p>
+          <a:p>
+            <a:r>
+              <a:rPr lang="en-ZA" dirty="0" smtClean="0"/>
+              <a:t>Ripple clusters have a common angle</a:t>
+            </a:r>
+          </a:p>
+          <a:p>
+            <a:r>
+              <a:rPr lang="en-ZA" dirty="0" smtClean="0"/>
+              <a:t>AHA is another test, to check </a:t>
+            </a:r>
+            <a:r>
+              <a:rPr lang="en-ZA" smtClean="0"/>
+              <a:t>if components are ripples</a:t>
+            </a:r>
+            <a:endParaRPr lang="en-ZA" dirty="0" smtClean="0"/>
+          </a:p>
+          <a:p>
+            <a:endParaRPr lang="en-ZA" dirty="0"/>
+          </a:p>
+        </p:txBody>
+      </p:sp>
+    </p:spTree>
+    <p:extLst>
+      <p:ext uri="{BB962C8B-B14F-4D97-AF65-F5344CB8AC3E}">
+        <p14:creationId xmlns:p14="http://schemas.microsoft.com/office/powerpoint/2010/main" val="654219439"/>
       </p:ext>
     </p:extLst>
   </p:cSld>
